--- a/H2 - Gebruikersinvoer/Presentatie/H2 Gebruikersinvoer - Dynamische Websites.pptx
+++ b/H2 - Gebruikersinvoer/Presentatie/H2 Gebruikersinvoer - Dynamische Websites.pptx
@@ -129,6 +129,7 @@
 <file path=ppt/revisionInfo.xml><?xml version="1.0" encoding="utf-8"?>
 <p1510:revInfo xmlns:a="http://schemas.openxmlformats.org/drawingml/2006/main" xmlns:r="http://schemas.openxmlformats.org/officeDocument/2006/relationships" xmlns:p1510="http://schemas.microsoft.com/office/powerpoint/2015/10/main">
   <p1510:revLst>
+    <p1510:client id="{0EE67B2F-D9B4-C3A6-04B6-18FEC51ED8A1}" v="6" dt="2025-11-05T20:32:47.659"/>
     <p1510:client id="{C6E7D8E5-334B-6BED-3A15-C50C85D7133C}" v="2733" dt="2025-11-05T14:12:54.596"/>
   </p1510:revLst>
 </p1510:revInfo>
@@ -1043,7 +1044,7 @@
           <a:p>
             <a:fld id="{39DBD449-D42A-4711-8837-53EC15580D9C}" type="slidenum">
               <a:rPr lang="nl-BE" smtClean="0"/>
-              <a:t>3</a:t>
+              <a:t>11</a:t>
             </a:fld>
             <a:endParaRPr lang="nl-BE"/>
           </a:p>
@@ -1151,7 +1152,7 @@
           <a:p>
             <a:fld id="{39DBD449-D42A-4711-8837-53EC15580D9C}" type="slidenum">
               <a:rPr lang="nl-BE" smtClean="0"/>
-              <a:t>29</a:t>
+              <a:t>12</a:t>
             </a:fld>
             <a:endParaRPr lang="nl-BE"/>
           </a:p>
@@ -2871,7 +2872,7 @@
           <a:p>
             <a:fld id="{39DBD449-D42A-4711-8837-53EC15580D9C}" type="slidenum">
               <a:rPr lang="nl-BE" smtClean="0"/>
-              <a:t>6</a:t>
+              <a:t>7</a:t>
             </a:fld>
             <a:endParaRPr lang="nl-BE"/>
           </a:p>
@@ -3333,6 +3334,18 @@
   <p:clrMapOvr>
     <a:masterClrMapping/>
   </p:clrMapOvr>
+  <mc:AlternateContent xmlns:mc="http://schemas.openxmlformats.org/markup-compatibility/2006">
+    <mc:Choice xmlns:p14="http://schemas.microsoft.com/office/powerpoint/2010/main" Requires="p14">
+      <p:transition spd="slow" p14:dur="4000">
+        <p14:vortex dir="u"/>
+      </p:transition>
+    </mc:Choice>
+    <mc:Fallback>
+      <p:transition spd="slow">
+        <p:fade/>
+      </p:transition>
+    </mc:Fallback>
+  </mc:AlternateContent>
 </p:sldLayout>
 </file>
 
@@ -3541,6 +3554,18 @@
   <p:clrMapOvr>
     <a:masterClrMapping/>
   </p:clrMapOvr>
+  <mc:AlternateContent xmlns:mc="http://schemas.openxmlformats.org/markup-compatibility/2006">
+    <mc:Choice xmlns:p14="http://schemas.microsoft.com/office/powerpoint/2010/main" Requires="p14">
+      <p:transition spd="slow" p14:dur="4000">
+        <p14:vortex dir="u"/>
+      </p:transition>
+    </mc:Choice>
+    <mc:Fallback>
+      <p:transition spd="slow">
+        <p:fade/>
+      </p:transition>
+    </mc:Fallback>
+  </mc:AlternateContent>
 </p:sldLayout>
 </file>
 
@@ -3751,6 +3776,18 @@
   <p:clrMapOvr>
     <a:masterClrMapping/>
   </p:clrMapOvr>
+  <mc:AlternateContent xmlns:mc="http://schemas.openxmlformats.org/markup-compatibility/2006">
+    <mc:Choice xmlns:p14="http://schemas.microsoft.com/office/powerpoint/2010/main" Requires="p14">
+      <p:transition spd="slow" p14:dur="4000">
+        <p14:vortex dir="u"/>
+      </p:transition>
+    </mc:Choice>
+    <mc:Fallback>
+      <p:transition spd="slow">
+        <p:fade/>
+      </p:transition>
+    </mc:Fallback>
+  </mc:AlternateContent>
 </p:sldLayout>
 </file>
 
@@ -3949,6 +3986,18 @@
   <p:clrMapOvr>
     <a:masterClrMapping/>
   </p:clrMapOvr>
+  <mc:AlternateContent xmlns:mc="http://schemas.openxmlformats.org/markup-compatibility/2006">
+    <mc:Choice xmlns:p14="http://schemas.microsoft.com/office/powerpoint/2010/main" Requires="p14">
+      <p:transition spd="slow" p14:dur="4000">
+        <p14:vortex dir="u"/>
+      </p:transition>
+    </mc:Choice>
+    <mc:Fallback>
+      <p:transition spd="slow">
+        <p:fade/>
+      </p:transition>
+    </mc:Fallback>
+  </mc:AlternateContent>
 </p:sldLayout>
 </file>
 
@@ -4227,6 +4276,18 @@
   <p:clrMapOvr>
     <a:masterClrMapping/>
   </p:clrMapOvr>
+  <mc:AlternateContent xmlns:mc="http://schemas.openxmlformats.org/markup-compatibility/2006">
+    <mc:Choice xmlns:p14="http://schemas.microsoft.com/office/powerpoint/2010/main" Requires="p14">
+      <p:transition spd="slow" p14:dur="4000">
+        <p14:vortex dir="u"/>
+      </p:transition>
+    </mc:Choice>
+    <mc:Fallback>
+      <p:transition spd="slow">
+        <p:fade/>
+      </p:transition>
+    </mc:Fallback>
+  </mc:AlternateContent>
 </p:sldLayout>
 </file>
 
@@ -4499,6 +4560,18 @@
   <p:clrMapOvr>
     <a:masterClrMapping/>
   </p:clrMapOvr>
+  <mc:AlternateContent xmlns:mc="http://schemas.openxmlformats.org/markup-compatibility/2006">
+    <mc:Choice xmlns:p14="http://schemas.microsoft.com/office/powerpoint/2010/main" Requires="p14">
+      <p:transition spd="slow" p14:dur="4000">
+        <p14:vortex dir="u"/>
+      </p:transition>
+    </mc:Choice>
+    <mc:Fallback>
+      <p:transition spd="slow">
+        <p:fade/>
+      </p:transition>
+    </mc:Fallback>
+  </mc:AlternateContent>
 </p:sldLayout>
 </file>
 
@@ -4923,6 +4996,18 @@
   <p:clrMapOvr>
     <a:masterClrMapping/>
   </p:clrMapOvr>
+  <mc:AlternateContent xmlns:mc="http://schemas.openxmlformats.org/markup-compatibility/2006">
+    <mc:Choice xmlns:p14="http://schemas.microsoft.com/office/powerpoint/2010/main" Requires="p14">
+      <p:transition spd="slow" p14:dur="4000">
+        <p14:vortex dir="u"/>
+      </p:transition>
+    </mc:Choice>
+    <mc:Fallback>
+      <p:transition spd="slow">
+        <p:fade/>
+      </p:transition>
+    </mc:Fallback>
+  </mc:AlternateContent>
 </p:sldLayout>
 </file>
 
@@ -5064,6 +5149,18 @@
   <p:clrMapOvr>
     <a:masterClrMapping/>
   </p:clrMapOvr>
+  <mc:AlternateContent xmlns:mc="http://schemas.openxmlformats.org/markup-compatibility/2006">
+    <mc:Choice xmlns:p14="http://schemas.microsoft.com/office/powerpoint/2010/main" Requires="p14">
+      <p:transition spd="slow" p14:dur="4000">
+        <p14:vortex dir="u"/>
+      </p:transition>
+    </mc:Choice>
+    <mc:Fallback>
+      <p:transition spd="slow">
+        <p:fade/>
+      </p:transition>
+    </mc:Fallback>
+  </mc:AlternateContent>
 </p:sldLayout>
 </file>
 
@@ -5177,6 +5274,18 @@
   <p:clrMapOvr>
     <a:masterClrMapping/>
   </p:clrMapOvr>
+  <mc:AlternateContent xmlns:mc="http://schemas.openxmlformats.org/markup-compatibility/2006">
+    <mc:Choice xmlns:p14="http://schemas.microsoft.com/office/powerpoint/2010/main" Requires="p14">
+      <p:transition spd="slow" p14:dur="4000">
+        <p14:vortex dir="u"/>
+      </p:transition>
+    </mc:Choice>
+    <mc:Fallback>
+      <p:transition spd="slow">
+        <p:fade/>
+      </p:transition>
+    </mc:Fallback>
+  </mc:AlternateContent>
 </p:sldLayout>
 </file>
 
@@ -5496,6 +5605,18 @@
   <p:clrMapOvr>
     <a:masterClrMapping/>
   </p:clrMapOvr>
+  <mc:AlternateContent xmlns:mc="http://schemas.openxmlformats.org/markup-compatibility/2006">
+    <mc:Choice xmlns:p14="http://schemas.microsoft.com/office/powerpoint/2010/main" Requires="p14">
+      <p:transition spd="slow" p14:dur="4000">
+        <p14:vortex dir="u"/>
+      </p:transition>
+    </mc:Choice>
+    <mc:Fallback>
+      <p:transition spd="slow">
+        <p:fade/>
+      </p:transition>
+    </mc:Fallback>
+  </mc:AlternateContent>
 </p:sldLayout>
 </file>
 
@@ -5790,6 +5911,18 @@
   <p:clrMapOvr>
     <a:masterClrMapping/>
   </p:clrMapOvr>
+  <mc:AlternateContent xmlns:mc="http://schemas.openxmlformats.org/markup-compatibility/2006">
+    <mc:Choice xmlns:p14="http://schemas.microsoft.com/office/powerpoint/2010/main" Requires="p14">
+      <p:transition spd="slow" p14:dur="4000">
+        <p14:vortex dir="u"/>
+      </p:transition>
+    </mc:Choice>
+    <mc:Fallback>
+      <p:transition spd="slow">
+        <p:fade/>
+      </p:transition>
+    </mc:Fallback>
+  </mc:AlternateContent>
 </p:sldLayout>
 </file>
 
@@ -6074,6 +6207,18 @@
     <p:sldLayoutId id="2147483688" r:id="rId10"/>
     <p:sldLayoutId id="2147483690" r:id="rId11"/>
   </p:sldLayoutIdLst>
+  <mc:AlternateContent xmlns:mc="http://schemas.openxmlformats.org/markup-compatibility/2006">
+    <mc:Choice xmlns:p14="http://schemas.microsoft.com/office/powerpoint/2010/main" Requires="p14">
+      <p:transition spd="slow" p14:dur="4000">
+        <p14:vortex dir="u"/>
+      </p:transition>
+    </mc:Choice>
+    <mc:Fallback>
+      <p:transition spd="slow">
+        <p:fade/>
+      </p:transition>
+    </mc:Fallback>
+  </mc:AlternateContent>
   <p:hf sldNum="0" hdr="0" ftr="0" dt="0"/>
   <p:txStyles>
     <p:titleStyle>
@@ -6477,8 +6622,8 @@
         </p:nvSpPr>
         <p:spPr>
           <a:xfrm>
-            <a:off x="7168896" y="1129554"/>
-            <a:ext cx="4361688" cy="3475236"/>
+            <a:off x="7273217" y="1415304"/>
+            <a:ext cx="4257367" cy="3189486"/>
           </a:xfrm>
         </p:spPr>
         <p:txBody>
@@ -6489,15 +6634,15 @@
           <a:p>
             <a:pPr algn="l"/>
             <a:r>
-              <a:rPr lang="nl-BE" b="0" dirty="0"/>
+              <a:rPr lang="nl-BE" sz="3600" b="0" dirty="0"/>
               <a:t>Webdesign:</a:t>
             </a:r>
             <a:r>
-              <a:rPr lang="nl-BE" dirty="0"/>
+              <a:rPr lang="nl-BE" sz="3600" dirty="0"/>
               <a:t> </a:t>
             </a:r>
             <a:r>
-              <a:rPr lang="nl-BE" b="0" dirty="0">
+              <a:rPr lang="nl-BE" sz="3600" b="0" dirty="0">
                 <a:solidFill>
                   <a:schemeClr val="accent3"/>
                 </a:solidFill>
@@ -6505,20 +6650,20 @@
               <a:t>Dynamische Websites</a:t>
             </a:r>
             <a:br>
-              <a:rPr lang="nl-BE" b="0" dirty="0"/>
+              <a:rPr lang="nl-BE" sz="3600" b="0" dirty="0"/>
             </a:br>
             <a:br>
-              <a:rPr lang="nl-BE" b="0" dirty="0"/>
+              <a:rPr lang="nl-BE" sz="3600" b="0" dirty="0"/>
             </a:br>
             <a:r>
-              <a:rPr lang="nl-BE" dirty="0">
+              <a:rPr lang="nl-BE" sz="3600" dirty="0">
                 <a:solidFill>
                   <a:schemeClr val="accent3"/>
                 </a:solidFill>
               </a:rPr>
               <a:t>H2 Gebruikersinvoer</a:t>
             </a:r>
-            <a:endParaRPr lang="nl-NL" dirty="0">
+            <a:endParaRPr lang="nl-NL" sz="3600">
               <a:solidFill>
                 <a:schemeClr val="accent3"/>
               </a:solidFill>
@@ -6680,6 +6825,18 @@
   <p:clrMapOvr>
     <a:masterClrMapping/>
   </p:clrMapOvr>
+  <mc:AlternateContent xmlns:mc="http://schemas.openxmlformats.org/markup-compatibility/2006">
+    <mc:Choice xmlns:p14="http://schemas.microsoft.com/office/powerpoint/2010/main" Requires="p14">
+      <p:transition spd="slow" p14:dur="4000">
+        <p14:vortex dir="u"/>
+      </p:transition>
+    </mc:Choice>
+    <mc:Fallback>
+      <p:transition spd="slow">
+        <p:fade/>
+      </p:transition>
+    </mc:Fallback>
+  </mc:AlternateContent>
 </p:sld>
 </file>
 
@@ -7095,6 +7252,18 @@
   <p:clrMapOvr>
     <a:masterClrMapping/>
   </p:clrMapOvr>
+  <mc:AlternateContent xmlns:mc="http://schemas.openxmlformats.org/markup-compatibility/2006">
+    <mc:Choice xmlns:p14="http://schemas.microsoft.com/office/powerpoint/2010/main" Requires="p14">
+      <p:transition spd="slow" p14:dur="4000">
+        <p14:vortex dir="u"/>
+      </p:transition>
+    </mc:Choice>
+    <mc:Fallback>
+      <p:transition spd="slow">
+        <p:fade/>
+      </p:transition>
+    </mc:Fallback>
+  </mc:AlternateContent>
 </p:sld>
 </file>
 
@@ -7307,6 +7476,18 @@
   <p:clrMapOvr>
     <a:masterClrMapping/>
   </p:clrMapOvr>
+  <mc:AlternateContent xmlns:mc="http://schemas.openxmlformats.org/markup-compatibility/2006">
+    <mc:Choice xmlns:p14="http://schemas.microsoft.com/office/powerpoint/2010/main" Requires="p14">
+      <p:transition spd="slow" p14:dur="4000">
+        <p14:vortex dir="u"/>
+      </p:transition>
+    </mc:Choice>
+    <mc:Fallback>
+      <p:transition spd="slow">
+        <p:fade/>
+      </p:transition>
+    </mc:Fallback>
+  </mc:AlternateContent>
 </p:sld>
 </file>
 
@@ -7656,6 +7837,18 @@
   <p:clrMapOvr>
     <a:masterClrMapping/>
   </p:clrMapOvr>
+  <mc:AlternateContent xmlns:mc="http://schemas.openxmlformats.org/markup-compatibility/2006">
+    <mc:Choice xmlns:p14="http://schemas.microsoft.com/office/powerpoint/2010/main" Requires="p14">
+      <p:transition spd="slow" p14:dur="4000">
+        <p14:vortex dir="u"/>
+      </p:transition>
+    </mc:Choice>
+    <mc:Fallback>
+      <p:transition spd="slow">
+        <p:fade/>
+      </p:transition>
+    </mc:Fallback>
+  </mc:AlternateContent>
 </p:sld>
 </file>
 
@@ -7816,6 +8009,18 @@
   <p:clrMapOvr>
     <a:masterClrMapping/>
   </p:clrMapOvr>
+  <mc:AlternateContent xmlns:mc="http://schemas.openxmlformats.org/markup-compatibility/2006">
+    <mc:Choice xmlns:p14="http://schemas.microsoft.com/office/powerpoint/2010/main" Requires="p14">
+      <p:transition spd="slow" p14:dur="4000">
+        <p14:vortex dir="u"/>
+      </p:transition>
+    </mc:Choice>
+    <mc:Fallback>
+      <p:transition spd="slow">
+        <p:fade/>
+      </p:transition>
+    </mc:Fallback>
+  </mc:AlternateContent>
 </p:sld>
 </file>
 
@@ -8136,6 +8341,18 @@
   <p:clrMapOvr>
     <a:masterClrMapping/>
   </p:clrMapOvr>
+  <mc:AlternateContent xmlns:mc="http://schemas.openxmlformats.org/markup-compatibility/2006">
+    <mc:Choice xmlns:p14="http://schemas.microsoft.com/office/powerpoint/2010/main" Requires="p14">
+      <p:transition spd="slow" p14:dur="4000">
+        <p14:vortex dir="u"/>
+      </p:transition>
+    </mc:Choice>
+    <mc:Fallback>
+      <p:transition spd="slow">
+        <p:fade/>
+      </p:transition>
+    </mc:Fallback>
+  </mc:AlternateContent>
 </p:sld>
 </file>
 
@@ -8360,6 +8577,18 @@
   <p:clrMapOvr>
     <a:masterClrMapping/>
   </p:clrMapOvr>
+  <mc:AlternateContent xmlns:mc="http://schemas.openxmlformats.org/markup-compatibility/2006">
+    <mc:Choice xmlns:p14="http://schemas.microsoft.com/office/powerpoint/2010/main" Requires="p14">
+      <p:transition spd="slow" p14:dur="4000">
+        <p14:vortex dir="u"/>
+      </p:transition>
+    </mc:Choice>
+    <mc:Fallback>
+      <p:transition spd="slow">
+        <p:fade/>
+      </p:transition>
+    </mc:Fallback>
+  </mc:AlternateContent>
 </p:sld>
 </file>
 
@@ -8676,6 +8905,18 @@
   <p:clrMapOvr>
     <a:masterClrMapping/>
   </p:clrMapOvr>
+  <mc:AlternateContent xmlns:mc="http://schemas.openxmlformats.org/markup-compatibility/2006">
+    <mc:Choice xmlns:p14="http://schemas.microsoft.com/office/powerpoint/2010/main" Requires="p14">
+      <p:transition spd="slow" p14:dur="4000">
+        <p14:vortex dir="u"/>
+      </p:transition>
+    </mc:Choice>
+    <mc:Fallback>
+      <p:transition spd="slow">
+        <p:fade/>
+      </p:transition>
+    </mc:Fallback>
+  </mc:AlternateContent>
 </p:sld>
 </file>
 
@@ -9172,6 +9413,18 @@
   <p:clrMapOvr>
     <a:masterClrMapping/>
   </p:clrMapOvr>
+  <mc:AlternateContent xmlns:mc="http://schemas.openxmlformats.org/markup-compatibility/2006">
+    <mc:Choice xmlns:p14="http://schemas.microsoft.com/office/powerpoint/2010/main" Requires="p14">
+      <p:transition spd="slow" p14:dur="4000">
+        <p14:vortex dir="u"/>
+      </p:transition>
+    </mc:Choice>
+    <mc:Fallback>
+      <p:transition spd="slow">
+        <p:fade/>
+      </p:transition>
+    </mc:Fallback>
+  </mc:AlternateContent>
 </p:sld>
 </file>
 
@@ -9661,6 +9914,18 @@
   <p:clrMapOvr>
     <a:masterClrMapping/>
   </p:clrMapOvr>
+  <mc:AlternateContent xmlns:mc="http://schemas.openxmlformats.org/markup-compatibility/2006">
+    <mc:Choice xmlns:p14="http://schemas.microsoft.com/office/powerpoint/2010/main" Requires="p14">
+      <p:transition spd="slow" p14:dur="4000">
+        <p14:vortex dir="u"/>
+      </p:transition>
+    </mc:Choice>
+    <mc:Fallback>
+      <p:transition spd="slow">
+        <p:fade/>
+      </p:transition>
+    </mc:Fallback>
+  </mc:AlternateContent>
 </p:sld>
 </file>
 
@@ -10263,6 +10528,18 @@
   <p:clrMapOvr>
     <a:masterClrMapping/>
   </p:clrMapOvr>
+  <mc:AlternateContent xmlns:mc="http://schemas.openxmlformats.org/markup-compatibility/2006">
+    <mc:Choice xmlns:p14="http://schemas.microsoft.com/office/powerpoint/2010/main" Requires="p14">
+      <p:transition spd="slow" p14:dur="4000">
+        <p14:vortex dir="u"/>
+      </p:transition>
+    </mc:Choice>
+    <mc:Fallback>
+      <p:transition spd="slow">
+        <p:fade/>
+      </p:transition>
+    </mc:Fallback>
+  </mc:AlternateContent>
 </p:sld>
 </file>
 
@@ -10678,6 +10955,18 @@
   <p:clrMapOvr>
     <a:masterClrMapping/>
   </p:clrMapOvr>
+  <mc:AlternateContent xmlns:mc="http://schemas.openxmlformats.org/markup-compatibility/2006">
+    <mc:Choice xmlns:p14="http://schemas.microsoft.com/office/powerpoint/2010/main" Requires="p14">
+      <p:transition spd="slow" p14:dur="4000">
+        <p14:vortex dir="u"/>
+      </p:transition>
+    </mc:Choice>
+    <mc:Fallback>
+      <p:transition spd="slow">
+        <p:fade/>
+      </p:transition>
+    </mc:Fallback>
+  </mc:AlternateContent>
 </p:sld>
 </file>
 
